--- a/1816万物理论/万物理论.pptx
+++ b/1816万物理论/万物理论.pptx
@@ -2087,21 +2087,21 @@
     </dgm:pt>
   </dgm:ptLst>
   <dgm:cxnLst>
-    <dgm:cxn modelId="{2B7AD5E7-D64C-4FAE-8B7A-2AE8AFEF4B84}" type="presOf" srcId="{4379F86B-D389-406C-8677-85A5F87EBF2D}" destId="{D8949439-FACC-4D1F-A019-CCC2C4D2AC08}" srcOrd="0" destOrd="0" presId="urn:microsoft.com/office/officeart/2005/8/layout/chevron2"/>
+    <dgm:cxn modelId="{F85404C6-814F-4DC6-9B14-43B41AF24094}" type="presOf" srcId="{51EFEC14-EB29-405F-AF7A-EEB3D6535A1B}" destId="{87630943-22CA-40CB-9B60-2EBFA5A7042F}" srcOrd="0" destOrd="0" presId="urn:microsoft.com/office/officeart/2005/8/layout/chevron2"/>
+    <dgm:cxn modelId="{620ECB95-D1B9-4930-9409-0A5B11A032C6}" srcId="{B546520F-1F05-4EFC-B0D3-09DF6A8C7A46}" destId="{51EFEC14-EB29-405F-AF7A-EEB3D6535A1B}" srcOrd="1" destOrd="0" parTransId="{D0CED805-E32E-47D3-925C-14757158289A}" sibTransId="{A347A0EA-7C9E-47FD-9729-F8594A364DB1}"/>
     <dgm:cxn modelId="{7BB6EFB8-FE4E-4BCE-94E1-F6B2E15057CD}" srcId="{BE22A469-B852-4F47-BB40-E1CA970A5BB8}" destId="{4379F86B-D389-406C-8677-85A5F87EBF2D}" srcOrd="0" destOrd="0" parTransId="{CE4B2720-8779-4F95-8499-4DFB5DD62B76}" sibTransId="{3206115C-3D83-4A55-8BEE-5AF060B8B9C5}"/>
+    <dgm:cxn modelId="{D1B5D737-D33B-472D-B027-135CB93AAFC8}" srcId="{B546520F-1F05-4EFC-B0D3-09DF6A8C7A46}" destId="{BE22A469-B852-4F47-BB40-E1CA970A5BB8}" srcOrd="2" destOrd="0" parTransId="{5606DCB6-FEC8-4986-AA61-A856AEAAEF15}" sibTransId="{1DE644B4-D726-4697-B874-411F9965D622}"/>
     <dgm:cxn modelId="{9D921046-C2A7-49D8-A58A-386BC3A86988}" srcId="{4EFDDECC-C292-4DAF-9CDF-6487FB3B87D0}" destId="{FF9FEDE8-0DFD-4FF4-BDD2-9B2F9CAF303A}" srcOrd="0" destOrd="0" parTransId="{CA4C9FB3-2D29-4D97-9682-96812D51F435}" sibTransId="{14A44640-5E47-4DE2-8FEC-93D03483C016}"/>
-    <dgm:cxn modelId="{F85404C6-814F-4DC6-9B14-43B41AF24094}" type="presOf" srcId="{51EFEC14-EB29-405F-AF7A-EEB3D6535A1B}" destId="{87630943-22CA-40CB-9B60-2EBFA5A7042F}" srcOrd="0" destOrd="0" presId="urn:microsoft.com/office/officeart/2005/8/layout/chevron2"/>
-    <dgm:cxn modelId="{D1B5D737-D33B-472D-B027-135CB93AAFC8}" srcId="{B546520F-1F05-4EFC-B0D3-09DF6A8C7A46}" destId="{BE22A469-B852-4F47-BB40-E1CA970A5BB8}" srcOrd="2" destOrd="0" parTransId="{5606DCB6-FEC8-4986-AA61-A856AEAAEF15}" sibTransId="{1DE644B4-D726-4697-B874-411F9965D622}"/>
-    <dgm:cxn modelId="{B79D3378-A2AD-429F-B9C5-CD297266BC22}" type="presOf" srcId="{B546520F-1F05-4EFC-B0D3-09DF6A8C7A46}" destId="{218EF32C-3F92-4A57-98DD-3DD2D1E6CCBC}" srcOrd="0" destOrd="0" presId="urn:microsoft.com/office/officeart/2005/8/layout/chevron2"/>
-    <dgm:cxn modelId="{3D53C678-DDCB-42EC-B5A1-A1716065B519}" type="presOf" srcId="{58B9BD34-77DA-4659-8804-4B1D6F248AEF}" destId="{E16B7496-362B-43D9-8123-B9BC6BF58430}" srcOrd="0" destOrd="1" presId="urn:microsoft.com/office/officeart/2005/8/layout/chevron2"/>
-    <dgm:cxn modelId="{3574E0B0-91B3-4E14-9E52-D7310A49250E}" type="presOf" srcId="{FF9FEDE8-0DFD-4FF4-BDD2-9B2F9CAF303A}" destId="{E16B7496-362B-43D9-8123-B9BC6BF58430}" srcOrd="0" destOrd="0" presId="urn:microsoft.com/office/officeart/2005/8/layout/chevron2"/>
-    <dgm:cxn modelId="{CBB2659A-3440-426F-875B-DCA8FE888BD3}" srcId="{B546520F-1F05-4EFC-B0D3-09DF6A8C7A46}" destId="{4EFDDECC-C292-4DAF-9CDF-6487FB3B87D0}" srcOrd="0" destOrd="0" parTransId="{15F8A673-00DE-4291-90C5-00E18A4D9E14}" sibTransId="{E3779430-26E2-451D-85C1-51B18A174DB7}"/>
     <dgm:cxn modelId="{2B980064-1253-4E3F-95BF-02E63F9B8560}" srcId="{4EFDDECC-C292-4DAF-9CDF-6487FB3B87D0}" destId="{58B9BD34-77DA-4659-8804-4B1D6F248AEF}" srcOrd="1" destOrd="0" parTransId="{E67E8786-E56B-4963-9703-A1AF17155840}" sibTransId="{4BFE1965-9D41-47CA-86EC-B368E8D5FD59}"/>
     <dgm:cxn modelId="{A8F8676B-2F98-4853-8DDB-77320AF7EC61}" srcId="{51EFEC14-EB29-405F-AF7A-EEB3D6535A1B}" destId="{39A13B48-D5F6-4DBA-9F8B-AFBD34B31832}" srcOrd="0" destOrd="0" parTransId="{DE5D4FEB-ED65-4A3A-83D4-23BF72C459F6}" sibTransId="{0BCABDCF-6966-44B6-AB17-BE9A02237D32}"/>
-    <dgm:cxn modelId="{620ECB95-D1B9-4930-9409-0A5B11A032C6}" srcId="{B546520F-1F05-4EFC-B0D3-09DF6A8C7A46}" destId="{51EFEC14-EB29-405F-AF7A-EEB3D6535A1B}" srcOrd="1" destOrd="0" parTransId="{D0CED805-E32E-47D3-925C-14757158289A}" sibTransId="{A347A0EA-7C9E-47FD-9729-F8594A364DB1}"/>
+    <dgm:cxn modelId="{738F424A-B660-43F7-B105-ABAF4BCBECE9}" type="presOf" srcId="{BE22A469-B852-4F47-BB40-E1CA970A5BB8}" destId="{E3719777-1AC9-4D9A-830F-8888452A210E}" srcOrd="0" destOrd="0" presId="urn:microsoft.com/office/officeart/2005/8/layout/chevron2"/>
+    <dgm:cxn modelId="{3574E0B0-91B3-4E14-9E52-D7310A49250E}" type="presOf" srcId="{FF9FEDE8-0DFD-4FF4-BDD2-9B2F9CAF303A}" destId="{E16B7496-362B-43D9-8123-B9BC6BF58430}" srcOrd="0" destOrd="0" presId="urn:microsoft.com/office/officeart/2005/8/layout/chevron2"/>
+    <dgm:cxn modelId="{EFEB4035-0847-4BD9-B256-D21B5E46E8CE}" type="presOf" srcId="{4EFDDECC-C292-4DAF-9CDF-6487FB3B87D0}" destId="{351C121E-F77B-4358-B90F-D34535682B95}" srcOrd="0" destOrd="0" presId="urn:microsoft.com/office/officeart/2005/8/layout/chevron2"/>
+    <dgm:cxn modelId="{CBB2659A-3440-426F-875B-DCA8FE888BD3}" srcId="{B546520F-1F05-4EFC-B0D3-09DF6A8C7A46}" destId="{4EFDDECC-C292-4DAF-9CDF-6487FB3B87D0}" srcOrd="0" destOrd="0" parTransId="{15F8A673-00DE-4291-90C5-00E18A4D9E14}" sibTransId="{E3779430-26E2-451D-85C1-51B18A174DB7}"/>
+    <dgm:cxn modelId="{2B7AD5E7-D64C-4FAE-8B7A-2AE8AFEF4B84}" type="presOf" srcId="{4379F86B-D389-406C-8677-85A5F87EBF2D}" destId="{D8949439-FACC-4D1F-A019-CCC2C4D2AC08}" srcOrd="0" destOrd="0" presId="urn:microsoft.com/office/officeart/2005/8/layout/chevron2"/>
     <dgm:cxn modelId="{4081A8F2-9F39-44CC-B077-1516F7B67249}" type="presOf" srcId="{39A13B48-D5F6-4DBA-9F8B-AFBD34B31832}" destId="{3BBB5446-B3E0-405F-9C4F-1C91D851C76E}" srcOrd="0" destOrd="0" presId="urn:microsoft.com/office/officeart/2005/8/layout/chevron2"/>
-    <dgm:cxn modelId="{EFEB4035-0847-4BD9-B256-D21B5E46E8CE}" type="presOf" srcId="{4EFDDECC-C292-4DAF-9CDF-6487FB3B87D0}" destId="{351C121E-F77B-4358-B90F-D34535682B95}" srcOrd="0" destOrd="0" presId="urn:microsoft.com/office/officeart/2005/8/layout/chevron2"/>
-    <dgm:cxn modelId="{738F424A-B660-43F7-B105-ABAF4BCBECE9}" type="presOf" srcId="{BE22A469-B852-4F47-BB40-E1CA970A5BB8}" destId="{E3719777-1AC9-4D9A-830F-8888452A210E}" srcOrd="0" destOrd="0" presId="urn:microsoft.com/office/officeart/2005/8/layout/chevron2"/>
+    <dgm:cxn modelId="{3D53C678-DDCB-42EC-B5A1-A1716065B519}" type="presOf" srcId="{58B9BD34-77DA-4659-8804-4B1D6F248AEF}" destId="{E16B7496-362B-43D9-8123-B9BC6BF58430}" srcOrd="0" destOrd="1" presId="urn:microsoft.com/office/officeart/2005/8/layout/chevron2"/>
+    <dgm:cxn modelId="{B79D3378-A2AD-429F-B9C5-CD297266BC22}" type="presOf" srcId="{B546520F-1F05-4EFC-B0D3-09DF6A8C7A46}" destId="{218EF32C-3F92-4A57-98DD-3DD2D1E6CCBC}" srcOrd="0" destOrd="0" presId="urn:microsoft.com/office/officeart/2005/8/layout/chevron2"/>
     <dgm:cxn modelId="{CF61628F-D5BE-4DF5-A277-DE08916380CF}" type="presParOf" srcId="{218EF32C-3F92-4A57-98DD-3DD2D1E6CCBC}" destId="{2727B2B4-124B-4BC1-829B-2FBF92387D7B}" srcOrd="0" destOrd="0" presId="urn:microsoft.com/office/officeart/2005/8/layout/chevron2"/>
     <dgm:cxn modelId="{FC46C823-D69D-4EDC-97BE-348E1E23B55D}" type="presParOf" srcId="{2727B2B4-124B-4BC1-829B-2FBF92387D7B}" destId="{351C121E-F77B-4358-B90F-D34535682B95}" srcOrd="0" destOrd="0" presId="urn:microsoft.com/office/officeart/2005/8/layout/chevron2"/>
     <dgm:cxn modelId="{AB04E021-3781-4F00-80BA-6C9C2ADC2E64}" type="presParOf" srcId="{2727B2B4-124B-4BC1-829B-2FBF92387D7B}" destId="{E16B7496-362B-43D9-8123-B9BC6BF58430}" srcOrd="1" destOrd="0" presId="urn:microsoft.com/office/officeart/2005/8/layout/chevron2"/>
@@ -6799,7 +6799,7 @@
                 <a:latin typeface="+mj-ea"/>
                 <a:ea typeface="+mj-ea"/>
               </a:rPr>
-              <a:t>18.4.15</a:t>
+              <a:t>18.5.12</a:t>
             </a:fld>
             <a:endParaRPr lang="zh-CN" altLang="en-US" dirty="0">
               <a:latin typeface="+mj-ea"/>
@@ -6985,7 +6985,7 @@
           <a:p>
             <a:fld id="{8DF9B502-F65B-48A3-85DE-02CBD8F1B81F}" type="datetime1">
               <a:rPr lang="zh-CN" altLang="en-US" smtClean="0"/>
-              <a:t>18.4.15</a:t>
+              <a:t>18.5.12</a:t>
             </a:fld>
             <a:endParaRPr lang="zh-CN" altLang="en-US" dirty="0"/>
           </a:p>
@@ -7520,7 +7520,7 @@
           <a:p>
             <a:fld id="{96DFF08F-DC6B-4601-B491-B0F83F6DD2DA}" type="datetimeFigureOut">
               <a:rPr lang="en-US" smtClean="0"/>
-              <a:t>4/15/2018</a:t>
+              <a:t>5/12/2018</a:t>
             </a:fld>
             <a:endParaRPr lang="en-US" dirty="0"/>
           </a:p>
@@ -7860,7 +7860,7 @@
           <a:p>
             <a:fld id="{09DFFC8E-5488-4F0C-91CD-66A2741BB815}" type="datetime1">
               <a:rPr lang="zh-CN" altLang="en-US" smtClean="0"/>
-              <a:t>18.4.15</a:t>
+              <a:t>18.5.12</a:t>
             </a:fld>
             <a:endParaRPr lang="zh-CN" altLang="en-US" dirty="0"/>
           </a:p>
@@ -8052,7 +8052,7 @@
           <a:p>
             <a:fld id="{09DFFC8E-5488-4F0C-91CD-66A2741BB815}" type="datetime1">
               <a:rPr lang="zh-CN" altLang="en-US" smtClean="0"/>
-              <a:t>18.4.15</a:t>
+              <a:t>18.5.12</a:t>
             </a:fld>
             <a:endParaRPr lang="zh-CN" altLang="en-US" dirty="0"/>
           </a:p>
@@ -8235,7 +8235,7 @@
             <a:pPr rtl="0"/>
             <a:fld id="{B7FD89CB-B23D-47D8-AEE9-766756025DD9}" type="datetime1">
               <a:rPr lang="zh-CN" altLang="en-US" smtClean="0"/>
-              <a:t>18.4.15</a:t>
+              <a:t>18.5.12</a:t>
             </a:fld>
             <a:endParaRPr lang="zh-CN" altLang="en-US" dirty="0"/>
           </a:p>
@@ -8525,7 +8525,7 @@
             <a:fld id="{96DFF08F-DC6B-4601-B491-B0F83F6DD2DA}" type="datetimeFigureOut">
               <a:rPr lang="en-US" smtClean="0"/>
               <a:pPr/>
-              <a:t>4/15/2018</a:t>
+              <a:t>5/12/2018</a:t>
             </a:fld>
             <a:endParaRPr lang="en-US" dirty="0"/>
           </a:p>
@@ -8931,7 +8931,7 @@
             <a:pPr rtl="0"/>
             <a:fld id="{4A6CBE58-2D55-470C-BEBD-4302E0D26D19}" type="datetime1">
               <a:rPr lang="zh-CN" altLang="en-US" smtClean="0"/>
-              <a:t>18.4.15</a:t>
+              <a:t>18.5.12</a:t>
             </a:fld>
             <a:endParaRPr lang="zh-CN" altLang="en-US" dirty="0"/>
           </a:p>
@@ -9421,7 +9421,7 @@
             <a:pPr rtl="0"/>
             <a:fld id="{D2FBEE8E-C100-4E54-AF9E-1D814C04F062}" type="datetime1">
               <a:rPr lang="zh-CN" altLang="en-US" smtClean="0"/>
-              <a:t>18.4.15</a:t>
+              <a:t>18.5.12</a:t>
             </a:fld>
             <a:endParaRPr lang="zh-CN" altLang="en-US" dirty="0"/>
           </a:p>
@@ -9552,7 +9552,7 @@
             <a:pPr rtl="0"/>
             <a:fld id="{D4B891CB-2527-4E08-809C-D6DFCC64E4BF}" type="datetime1">
               <a:rPr lang="zh-CN" altLang="en-US" smtClean="0"/>
-              <a:t>18.4.15</a:t>
+              <a:t>18.5.12</a:t>
             </a:fld>
             <a:endParaRPr lang="zh-CN" altLang="en-US" dirty="0"/>
           </a:p>
@@ -9660,7 +9660,7 @@
             <a:pPr rtl="0"/>
             <a:fld id="{4AC819B5-7D2A-4DD2-8E94-DF9D4B191F76}" type="datetime1">
               <a:rPr lang="zh-CN" altLang="en-US" smtClean="0"/>
-              <a:t>18.4.15</a:t>
+              <a:t>18.5.12</a:t>
             </a:fld>
             <a:endParaRPr lang="zh-CN" altLang="en-US" dirty="0"/>
           </a:p>
@@ -10018,7 +10018,7 @@
           <a:p>
             <a:fld id="{09DFFC8E-5488-4F0C-91CD-66A2741BB815}" type="datetime1">
               <a:rPr lang="zh-CN" altLang="en-US" smtClean="0"/>
-              <a:t>18.4.15</a:t>
+              <a:t>18.5.12</a:t>
             </a:fld>
             <a:endParaRPr lang="zh-CN" altLang="en-US" dirty="0"/>
           </a:p>
@@ -10418,7 +10418,7 @@
           <a:p>
             <a:fld id="{09DFFC8E-5488-4F0C-91CD-66A2741BB815}" type="datetime1">
               <a:rPr lang="zh-CN" altLang="en-US" smtClean="0"/>
-              <a:t>18.4.15</a:t>
+              <a:t>18.5.12</a:t>
             </a:fld>
             <a:endParaRPr lang="zh-CN" altLang="en-US" dirty="0"/>
           </a:p>
@@ -10708,7 +10708,7 @@
           <a:p>
             <a:fld id="{09DFFC8E-5488-4F0C-91CD-66A2741BB815}" type="datetime1">
               <a:rPr lang="zh-CN" altLang="en-US" smtClean="0"/>
-              <a:t>18.4.15</a:t>
+              <a:t>18.5.12</a:t>
             </a:fld>
             <a:endParaRPr lang="zh-CN" altLang="en-US" dirty="0"/>
           </a:p>
@@ -11548,7 +11548,6 @@
               <a:rPr lang="zh-CN" altLang="en-US" dirty="0"/>
               <a:t>围着花园边转了一圈，门边的一棵高大的绿榕树悄悄地成了一顶撑开的金黄色大伞。风儿吹过，叶子就像金黄色的蝴蝶，在秋风中自由自在地飞舞着，给大地铺上了一层金色的地毯。榕树身旁的小草没有了以前那么绿，那么密了。在秋姑娘的抚摸下，它们披上了一层黄色的外衣。一些红的、白的、紫的小花儿从小草丛中探出头来，为黄色的地毡增添了一些绚烂的色彩。</a:t>
             </a:r>
-            <a:endParaRPr lang="zh-CN" altLang="en-US" dirty="0"/>
           </a:p>
         </p:txBody>
       </p:sp>
@@ -13970,9 +13969,6 @@
               </a:rPr>
               <a:t>盏指路灯一样挂在天空。</a:t>
             </a:r>
-            <a:endParaRPr lang="zh-CN" altLang="en-US" dirty="0">
-              <a:latin typeface="+mn-ea"/>
-            </a:endParaRPr>
           </a:p>
         </p:txBody>
       </p:sp>
@@ -14428,9 +14424,6 @@
               </a:rPr>
               <a:t>具体事物抽出、概括出它们共同的方面、本质属性与关系等，而将个别的、非本质的方面、属性与关系舍弃，这种思维过程，称为抽象。</a:t>
             </a:r>
-            <a:endParaRPr lang="zh-CN" altLang="en-US" dirty="0">
-              <a:latin typeface="+mn-ea"/>
-            </a:endParaRPr>
           </a:p>
         </p:txBody>
       </p:sp>
@@ -14442,7 +14435,7 @@
         </p:nvSpPr>
         <p:spPr>
           <a:xfrm>
-            <a:off x="2423592" y="2420888"/>
+            <a:off x="2423592" y="2357710"/>
             <a:ext cx="2592288" cy="648072"/>
           </a:xfrm>
           <a:prstGeom prst="rect">
@@ -14606,115 +14599,24 @@
                             </p:stCondLst>
                             <p:childTnLst>
                               <p:par>
-                                <p:cTn id="5" presetID="42" presetClass="entr" presetSubtype="0" fill="hold" grpId="0" nodeType="clickEffect">
+                                <p:cTn id="5" presetID="10" presetClass="exit" presetSubtype="0" fill="hold" grpId="0" nodeType="clickEffect">
                                   <p:stCondLst>
                                     <p:cond delay="0"/>
                                   </p:stCondLst>
                                   <p:childTnLst>
-                                    <p:set>
+                                    <p:animEffect transition="out" filter="fade">
                                       <p:cBhvr>
-                                        <p:cTn id="6" dur="1" fill="hold">
-                                          <p:stCondLst>
-                                            <p:cond delay="0"/>
-                                          </p:stCondLst>
-                                        </p:cTn>
+                                        <p:cTn id="6" dur="500"/>
                                         <p:tgtEl>
-                                          <p:spTgt spid="7"/>
-                                        </p:tgtEl>
-                                        <p:attrNameLst>
-                                          <p:attrName>style.visibility</p:attrName>
-                                        </p:attrNameLst>
-                                      </p:cBhvr>
-                                      <p:to>
-                                        <p:strVal val="visible"/>
-                                      </p:to>
-                                    </p:set>
-                                    <p:animEffect transition="in" filter="fade">
-                                      <p:cBhvr>
-                                        <p:cTn id="7" dur="1000"/>
-                                        <p:tgtEl>
-                                          <p:spTgt spid="7"/>
+                                          <p:spTgt spid="3"/>
                                         </p:tgtEl>
                                       </p:cBhvr>
                                     </p:animEffect>
-                                    <p:anim calcmode="lin" valueType="num">
-                                      <p:cBhvr>
-                                        <p:cTn id="8" dur="1000" fill="hold"/>
-                                        <p:tgtEl>
-                                          <p:spTgt spid="7"/>
-                                        </p:tgtEl>
-                                        <p:attrNameLst>
-                                          <p:attrName>ppt_x</p:attrName>
-                                        </p:attrNameLst>
-                                      </p:cBhvr>
-                                      <p:tavLst>
-                                        <p:tav tm="0">
-                                          <p:val>
-                                            <p:strVal val="#ppt_x"/>
-                                          </p:val>
-                                        </p:tav>
-                                        <p:tav tm="100000">
-                                          <p:val>
-                                            <p:strVal val="#ppt_x"/>
-                                          </p:val>
-                                        </p:tav>
-                                      </p:tavLst>
-                                    </p:anim>
-                                    <p:anim calcmode="lin" valueType="num">
-                                      <p:cBhvr>
-                                        <p:cTn id="9" dur="1000" fill="hold"/>
-                                        <p:tgtEl>
-                                          <p:spTgt spid="7"/>
-                                        </p:tgtEl>
-                                        <p:attrNameLst>
-                                          <p:attrName>ppt_y</p:attrName>
-                                        </p:attrNameLst>
-                                      </p:cBhvr>
-                                      <p:tavLst>
-                                        <p:tav tm="0">
-                                          <p:val>
-                                            <p:strVal val="#ppt_y+.1"/>
-                                          </p:val>
-                                        </p:tav>
-                                        <p:tav tm="100000">
-                                          <p:val>
-                                            <p:strVal val="#ppt_y"/>
-                                          </p:val>
-                                        </p:tav>
-                                      </p:tavLst>
-                                    </p:anim>
-                                  </p:childTnLst>
-                                </p:cTn>
-                              </p:par>
-                            </p:childTnLst>
-                          </p:cTn>
-                        </p:par>
-                      </p:childTnLst>
-                    </p:cTn>
-                  </p:par>
-                  <p:par>
-                    <p:cTn id="10" fill="hold">
-                      <p:stCondLst>
-                        <p:cond delay="indefinite"/>
-                      </p:stCondLst>
-                      <p:childTnLst>
-                        <p:par>
-                          <p:cTn id="11" fill="hold">
-                            <p:stCondLst>
-                              <p:cond delay="0"/>
-                            </p:stCondLst>
-                            <p:childTnLst>
-                              <p:par>
-                                <p:cTn id="12" presetID="1" presetClass="exit" presetSubtype="0" fill="hold" grpId="0" nodeType="clickEffect">
-                                  <p:stCondLst>
-                                    <p:cond delay="0"/>
-                                  </p:stCondLst>
-                                  <p:childTnLst>
                                     <p:set>
                                       <p:cBhvr>
-                                        <p:cTn id="13" dur="1" fill="hold">
+                                        <p:cTn id="7" dur="1" fill="hold">
                                           <p:stCondLst>
-                                            <p:cond delay="0"/>
+                                            <p:cond delay="499"/>
                                           </p:stCondLst>
                                         </p:cTn>
                                         <p:tgtEl>
@@ -14738,32 +14640,93 @@
                     </p:cTn>
                   </p:par>
                   <p:par>
-                    <p:cTn id="14" fill="hold">
+                    <p:cTn id="8" fill="hold">
                       <p:stCondLst>
                         <p:cond delay="indefinite"/>
                       </p:stCondLst>
                       <p:childTnLst>
                         <p:par>
-                          <p:cTn id="15" fill="hold">
+                          <p:cTn id="9" fill="hold">
                             <p:stCondLst>
                               <p:cond delay="0"/>
                             </p:stCondLst>
                             <p:childTnLst>
                               <p:par>
-                                <p:cTn id="16" presetID="1" presetClass="exit" presetSubtype="0" fill="hold" grpId="0" nodeType="clickEffect">
+                                <p:cTn id="10" presetID="10" presetClass="exit" presetSubtype="0" fill="hold" grpId="0" nodeType="clickEffect">
                                   <p:stCondLst>
                                     <p:cond delay="0"/>
                                   </p:stCondLst>
                                   <p:childTnLst>
+                                    <p:animEffect transition="out" filter="fade">
+                                      <p:cBhvr>
+                                        <p:cTn id="11" dur="500"/>
+                                        <p:tgtEl>
+                                          <p:spTgt spid="6"/>
+                                        </p:tgtEl>
+                                      </p:cBhvr>
+                                    </p:animEffect>
+                                    <p:set>
+                                      <p:cBhvr>
+                                        <p:cTn id="12" dur="1" fill="hold">
+                                          <p:stCondLst>
+                                            <p:cond delay="499"/>
+                                          </p:stCondLst>
+                                        </p:cTn>
+                                        <p:tgtEl>
+                                          <p:spTgt spid="6"/>
+                                        </p:tgtEl>
+                                        <p:attrNameLst>
+                                          <p:attrName>style.visibility</p:attrName>
+                                        </p:attrNameLst>
+                                      </p:cBhvr>
+                                      <p:to>
+                                        <p:strVal val="hidden"/>
+                                      </p:to>
+                                    </p:set>
+                                  </p:childTnLst>
+                                </p:cTn>
+                              </p:par>
+                            </p:childTnLst>
+                          </p:cTn>
+                        </p:par>
+                      </p:childTnLst>
+                    </p:cTn>
+                  </p:par>
+                  <p:par>
+                    <p:cTn id="13" fill="hold">
+                      <p:stCondLst>
+                        <p:cond delay="indefinite"/>
+                      </p:stCondLst>
+                      <p:childTnLst>
+                        <p:par>
+                          <p:cTn id="14" fill="hold">
+                            <p:stCondLst>
+                              <p:cond delay="0"/>
+                            </p:stCondLst>
+                            <p:childTnLst>
+                              <p:par>
+                                <p:cTn id="15" presetID="10" presetClass="exit" presetSubtype="0" fill="hold" grpId="0" nodeType="clickEffect">
+                                  <p:stCondLst>
+                                    <p:cond delay="0"/>
+                                  </p:stCondLst>
+                                  <p:childTnLst>
+                                    <p:animEffect transition="out" filter="fade">
+                                      <p:cBhvr>
+                                        <p:cTn id="16" dur="500"/>
+                                        <p:tgtEl>
+                                          <p:spTgt spid="8"/>
+                                        </p:tgtEl>
+                                      </p:cBhvr>
+                                    </p:animEffect>
                                     <p:set>
                                       <p:cBhvr>
                                         <p:cTn id="17" dur="1" fill="hold">
                                           <p:stCondLst>
-                                            <p:cond delay="0"/>
+                                            <p:cond delay="499"/>
                                           </p:stCondLst>
                                         </p:cTn>
                                         <p:tgtEl>
-                                          <p:spTgt spid="6"/>
+                                          <p:spTgt spid="8"/>
                                         </p:tgtEl>
                                         <p:attrNameLst>
                                           <p:attrName>style.visibility</p:attrName>
@@ -14795,7 +14758,7 @@
                             </p:stCondLst>
                             <p:childTnLst>
                               <p:par>
-                                <p:cTn id="20" presetID="1" presetClass="exit" presetSubtype="0" fill="hold" grpId="0" nodeType="clickEffect">
+                                <p:cTn id="20" presetID="42" presetClass="entr" presetSubtype="0" fill="hold" grpId="0" nodeType="clickEffect">
                                   <p:stCondLst>
                                     <p:cond delay="0"/>
                                   </p:stCondLst>
@@ -14803,51 +14766,6 @@
                                     <p:set>
                                       <p:cBhvr>
                                         <p:cTn id="21" dur="1" fill="hold">
-                                          <p:stCondLst>
-                                            <p:cond delay="0"/>
-                                          </p:stCondLst>
-                                        </p:cTn>
-                                        <p:tgtEl>
-                                          <p:spTgt spid="8"/>
-                                        </p:tgtEl>
-                                        <p:attrNameLst>
-                                          <p:attrName>style.visibility</p:attrName>
-                                        </p:attrNameLst>
-                                      </p:cBhvr>
-                                      <p:to>
-                                        <p:strVal val="hidden"/>
-                                      </p:to>
-                                    </p:set>
-                                  </p:childTnLst>
-                                </p:cTn>
-                              </p:par>
-                            </p:childTnLst>
-                          </p:cTn>
-                        </p:par>
-                      </p:childTnLst>
-                    </p:cTn>
-                  </p:par>
-                  <p:par>
-                    <p:cTn id="22" fill="hold">
-                      <p:stCondLst>
-                        <p:cond delay="indefinite"/>
-                      </p:stCondLst>
-                      <p:childTnLst>
-                        <p:par>
-                          <p:cTn id="23" fill="hold">
-                            <p:stCondLst>
-                              <p:cond delay="0"/>
-                            </p:stCondLst>
-                            <p:childTnLst>
-                              <p:par>
-                                <p:cTn id="24" presetID="42" presetClass="entr" presetSubtype="0" fill="hold" grpId="0" nodeType="clickEffect">
-                                  <p:stCondLst>
-                                    <p:cond delay="0"/>
-                                  </p:stCondLst>
-                                  <p:childTnLst>
-                                    <p:set>
-                                      <p:cBhvr>
-                                        <p:cTn id="25" dur="1" fill="hold">
                                           <p:stCondLst>
                                             <p:cond delay="0"/>
                                           </p:stCondLst>
@@ -14869,7 +14787,7 @@
                                     </p:set>
                                     <p:animEffect transition="in" filter="fade">
                                       <p:cBhvr>
-                                        <p:cTn id="26" dur="500"/>
+                                        <p:cTn id="22" dur="500"/>
                                         <p:tgtEl>
                                           <p:spTgt spid="2">
                                             <p:txEl>
@@ -14881,7 +14799,7 @@
                                     </p:animEffect>
                                     <p:anim calcmode="lin" valueType="num">
                                       <p:cBhvr>
-                                        <p:cTn id="27" dur="500" fill="hold"/>
+                                        <p:cTn id="23" dur="500" fill="hold"/>
                                         <p:tgtEl>
                                           <p:spTgt spid="2">
                                             <p:txEl>
@@ -14908,7 +14826,7 @@
                                     </p:anim>
                                     <p:anim calcmode="lin" valueType="num">
                                       <p:cBhvr>
-                                        <p:cTn id="28" dur="500" fill="hold"/>
+                                        <p:cTn id="24" dur="500" fill="hold"/>
                                         <p:tgtEl>
                                           <p:spTgt spid="2">
                                             <p:txEl>
@@ -14964,9 +14882,6 @@
       </p:par>
     </p:tnLst>
     <p:bldLst>
-      <p:bldGraphic spid="7" grpId="0">
-        <p:bldAsOne/>
-      </p:bldGraphic>
       <p:bldP spid="2" grpId="0" build="p"/>
       <p:bldP spid="3" grpId="0" animBg="1"/>
       <p:bldP spid="6" grpId="0" animBg="1"/>
@@ -15289,7 +15204,6 @@
               <a:rPr lang="zh-CN" altLang="en-US" dirty="0"/>
               <a:t>“万物理论”</a:t>
             </a:r>
-            <a:endParaRPr lang="zh-CN" altLang="en-US" dirty="0"/>
           </a:p>
         </p:txBody>
       </p:sp>
@@ -16274,9 +16188,6 @@
               </a:rPr>
               <a:t>日上市</a:t>
             </a:r>
-            <a:endParaRPr lang="zh-CN" altLang="en-US" dirty="0">
-              <a:latin typeface="+mn-ea"/>
-            </a:endParaRPr>
           </a:p>
         </p:txBody>
       </p:sp>
@@ -17637,11 +17548,7 @@
           <a:p>
             <a:r>
               <a:rPr lang="zh-CN" altLang="en-US" dirty="0" smtClean="0"/>
-              <a:t>“万物理论”是</a:t>
-            </a:r>
-            <a:r>
-              <a:rPr lang="zh-CN" altLang="en-US" dirty="0" smtClean="0"/>
-              <a:t>什么</a:t>
+              <a:t>“万物理论”是什么</a:t>
             </a:r>
             <a:endParaRPr lang="zh-CN" altLang="en-US" dirty="0"/>
           </a:p>
@@ -17723,11 +17630,7 @@
           <a:p>
             <a:r>
               <a:rPr lang="zh-CN" altLang="en-US" dirty="0" smtClean="0"/>
-              <a:t>如果</a:t>
-            </a:r>
-            <a:r>
-              <a:rPr lang="zh-CN" altLang="en-US" dirty="0" smtClean="0"/>
-              <a:t>困了</a:t>
+              <a:t>如果困了</a:t>
             </a:r>
             <a:endParaRPr lang="en-US" altLang="zh-CN" dirty="0" smtClean="0"/>
           </a:p>
@@ -20031,11 +19934,7 @@
             <a:pPr algn="ctr"/>
             <a:r>
               <a:rPr lang="zh-CN" altLang="en-US" dirty="0" smtClean="0"/>
-              <a:t>“万物理论” 还可以</a:t>
-            </a:r>
-            <a:r>
-              <a:rPr lang="zh-CN" altLang="en-US" dirty="0" smtClean="0"/>
-              <a:t>是什么</a:t>
+              <a:t>“万物理论” 还可以是什么</a:t>
             </a:r>
             <a:endParaRPr lang="zh-CN" altLang="en-US" dirty="0"/>
           </a:p>
